--- a/第一次進度報告.pptx
+++ b/第一次進度報告.pptx
@@ -5,19 +5,20 @@
     <p:sldMasterId id="2147483660" r:id="rId1"/>
   </p:sldMasterIdLst>
   <p:notesMasterIdLst>
-    <p:notesMasterId r:id="rId9"/>
+    <p:notesMasterId r:id="rId10"/>
   </p:notesMasterIdLst>
   <p:handoutMasterIdLst>
-    <p:handoutMasterId r:id="rId10"/>
+    <p:handoutMasterId r:id="rId11"/>
   </p:handoutMasterIdLst>
   <p:sldIdLst>
     <p:sldId id="257" r:id="rId2"/>
-    <p:sldId id="269" r:id="rId3"/>
+    <p:sldId id="275" r:id="rId3"/>
     <p:sldId id="270" r:id="rId4"/>
-    <p:sldId id="271" r:id="rId5"/>
-    <p:sldId id="272" r:id="rId6"/>
-    <p:sldId id="273" r:id="rId7"/>
-    <p:sldId id="274" r:id="rId8"/>
+    <p:sldId id="269" r:id="rId5"/>
+    <p:sldId id="271" r:id="rId6"/>
+    <p:sldId id="272" r:id="rId7"/>
+    <p:sldId id="273" r:id="rId8"/>
+    <p:sldId id="274" r:id="rId9"/>
   </p:sldIdLst>
   <p:sldSz cx="12188825" cy="6858000"/>
   <p:notesSz cx="6858000" cy="9144000"/>
@@ -229,7 +230,7 @@
   <pc:docChgLst>
     <pc:chgData name="品妤 劉" userId="eb4ca873fbaed49a" providerId="LiveId" clId="{F98A74D6-6CC1-40EA-BF39-464DEE575D09}"/>
     <pc:docChg chg="undo custSel addSld delSld modSld sldOrd">
-      <pc:chgData name="品妤 劉" userId="eb4ca873fbaed49a" providerId="LiveId" clId="{F98A74D6-6CC1-40EA-BF39-464DEE575D09}" dt="2020-04-23T00:07:46.384" v="1232" actId="1076"/>
+      <pc:chgData name="品妤 劉" userId="eb4ca873fbaed49a" providerId="LiveId" clId="{F98A74D6-6CC1-40EA-BF39-464DEE575D09}" dt="2020-04-23T01:55:09.487" v="1288"/>
       <pc:docMkLst>
         <pc:docMk/>
       </pc:docMkLst>
@@ -378,8 +379,8 @@
           <pc:sldMk cId="114171940" sldId="270"/>
         </pc:sldMkLst>
       </pc:sldChg>
-      <pc:sldChg chg="addSp delSp modSp add">
-        <pc:chgData name="品妤 劉" userId="eb4ca873fbaed49a" providerId="LiveId" clId="{F98A74D6-6CC1-40EA-BF39-464DEE575D09}" dt="2020-04-22T23:42:17.281" v="309" actId="1076"/>
+      <pc:sldChg chg="addSp delSp modSp add ord">
+        <pc:chgData name="品妤 劉" userId="eb4ca873fbaed49a" providerId="LiveId" clId="{F98A74D6-6CC1-40EA-BF39-464DEE575D09}" dt="2020-04-23T01:55:09.487" v="1288"/>
         <pc:sldMkLst>
           <pc:docMk/>
           <pc:sldMk cId="422635366" sldId="270"/>
@@ -606,6 +607,52 @@
           <pc:sldMk cId="3692771358" sldId="275"/>
         </pc:sldMkLst>
       </pc:sldChg>
+      <pc:sldChg chg="addSp delSp modSp add">
+        <pc:chgData name="品妤 劉" userId="eb4ca873fbaed49a" providerId="LiveId" clId="{F98A74D6-6CC1-40EA-BF39-464DEE575D09}" dt="2020-04-23T01:49:35.742" v="1286"/>
+        <pc:sldMkLst>
+          <pc:docMk/>
+          <pc:sldMk cId="3992072904" sldId="275"/>
+        </pc:sldMkLst>
+        <pc:spChg chg="mod">
+          <ac:chgData name="品妤 劉" userId="eb4ca873fbaed49a" providerId="LiveId" clId="{F98A74D6-6CC1-40EA-BF39-464DEE575D09}" dt="2020-04-23T01:49:35.742" v="1286"/>
+          <ac:spMkLst>
+            <pc:docMk/>
+            <pc:sldMk cId="3992072904" sldId="275"/>
+            <ac:spMk id="2" creationId="{B68797A2-D994-4B06-9E12-A14083A43172}"/>
+          </ac:spMkLst>
+        </pc:spChg>
+        <pc:spChg chg="del mod">
+          <ac:chgData name="品妤 劉" userId="eb4ca873fbaed49a" providerId="LiveId" clId="{F98A74D6-6CC1-40EA-BF39-464DEE575D09}" dt="2020-04-23T01:31:50.902" v="1244"/>
+          <ac:spMkLst>
+            <pc:docMk/>
+            <pc:sldMk cId="3992072904" sldId="275"/>
+            <ac:spMk id="3" creationId="{96AA5FF8-9DC9-4CF3-A142-765525B0A7E9}"/>
+          </ac:spMkLst>
+        </pc:spChg>
+        <pc:picChg chg="add mod">
+          <ac:chgData name="品妤 劉" userId="eb4ca873fbaed49a" providerId="LiveId" clId="{F98A74D6-6CC1-40EA-BF39-464DEE575D09}" dt="2020-04-23T01:31:58.272" v="1245" actId="1076"/>
+          <ac:picMkLst>
+            <pc:docMk/>
+            <pc:sldMk cId="3992072904" sldId="275"/>
+            <ac:picMk id="4" creationId="{7DEFA0AC-4C60-4AAF-A3A3-4317D5B0B744}"/>
+          </ac:picMkLst>
+        </pc:picChg>
+      </pc:sldChg>
+      <pc:sldChg chg="modSp add del">
+        <pc:chgData name="品妤 劉" userId="eb4ca873fbaed49a" providerId="LiveId" clId="{F98A74D6-6CC1-40EA-BF39-464DEE575D09}" dt="2020-04-23T01:49:27.862" v="1276" actId="47"/>
+        <pc:sldMkLst>
+          <pc:docMk/>
+          <pc:sldMk cId="2201602037" sldId="276"/>
+        </pc:sldMkLst>
+        <pc:spChg chg="mod">
+          <ac:chgData name="品妤 劉" userId="eb4ca873fbaed49a" providerId="LiveId" clId="{F98A74D6-6CC1-40EA-BF39-464DEE575D09}" dt="2020-04-23T01:49:23.337" v="1275"/>
+          <ac:spMkLst>
+            <pc:docMk/>
+            <pc:sldMk cId="2201602037" sldId="276"/>
+            <ac:spMk id="2" creationId="{BF9657D7-31A3-4B31-B66B-BD50DDBE8962}"/>
+          </ac:spMkLst>
+        </pc:spChg>
+      </pc:sldChg>
     </pc:docChg>
   </pc:docChgLst>
 </pc:chgInfo>
@@ -1314,7 +1361,7 @@
             <a:fld id="{E3B36274-F2B9-4C45-BBB4-0EDF4CD651A7}" type="slidenum">
               <a:rPr lang="en-US" altLang="zh-TW" smtClean="0"/>
               <a:pPr/>
-              <a:t>2</a:t>
+              <a:t>4</a:t>
             </a:fld>
             <a:endParaRPr lang="zh-TW" altLang="en-US"/>
           </a:p>
@@ -5609,6 +5656,262 @@
       </p:grpSpPr>
       <p:sp>
         <p:nvSpPr>
+          <p:cNvPr id="2" name="標題 1">
+            <a:extLst>
+              <a:ext uri="{FF2B5EF4-FFF2-40B4-BE49-F238E27FC236}">
+                <a16:creationId xmlns:a16="http://schemas.microsoft.com/office/drawing/2014/main" id="{B68797A2-D994-4B06-9E12-A14083A43172}"/>
+              </a:ext>
+            </a:extLst>
+          </p:cNvPr>
+          <p:cNvSpPr>
+            <a:spLocks noGrp="1"/>
+          </p:cNvSpPr>
+          <p:nvPr>
+            <p:ph type="title"/>
+          </p:nvPr>
+        </p:nvSpPr>
+        <p:spPr/>
+        <p:txBody>
+          <a:bodyPr/>
+          <a:lstStyle/>
+          <a:p>
+            <a:r>
+              <a:rPr lang="zh-TW" altLang="en-US" dirty="0"/>
+              <a:t>資料與定義</a:t>
+            </a:r>
+          </a:p>
+        </p:txBody>
+      </p:sp>
+      <p:pic>
+        <p:nvPicPr>
+          <p:cNvPr id="4" name="內容版面配置區 3">
+            <a:extLst>
+              <a:ext uri="{FF2B5EF4-FFF2-40B4-BE49-F238E27FC236}">
+                <a16:creationId xmlns:a16="http://schemas.microsoft.com/office/drawing/2014/main" id="{7DEFA0AC-4C60-4AAF-A3A3-4317D5B0B744}"/>
+              </a:ext>
+            </a:extLst>
+          </p:cNvPr>
+          <p:cNvPicPr>
+            <a:picLocks noGrp="1" noChangeAspect="1"/>
+          </p:cNvPicPr>
+          <p:nvPr>
+            <p:ph idx="1"/>
+          </p:nvPr>
+        </p:nvPicPr>
+        <p:blipFill>
+          <a:blip r:embed="rId2"/>
+          <a:stretch>
+            <a:fillRect/>
+          </a:stretch>
+        </p:blipFill>
+        <p:spPr>
+          <a:xfrm>
+            <a:off x="2277988" y="1772816"/>
+            <a:ext cx="7920000" cy="4191000"/>
+          </a:xfrm>
+          <a:prstGeom prst="rect">
+            <a:avLst/>
+          </a:prstGeom>
+        </p:spPr>
+      </p:pic>
+    </p:spTree>
+    <p:extLst>
+      <p:ext uri="{BB962C8B-B14F-4D97-AF65-F5344CB8AC3E}">
+        <p14:creationId xmlns:p14="http://schemas.microsoft.com/office/powerpoint/2010/main" val="3992072904"/>
+      </p:ext>
+    </p:extLst>
+  </p:cSld>
+  <p:clrMapOvr>
+    <a:masterClrMapping/>
+  </p:clrMapOvr>
+  <mc:AlternateContent xmlns:mc="http://schemas.openxmlformats.org/markup-compatibility/2006" xmlns:p14="http://schemas.microsoft.com/office/powerpoint/2010/main">
+    <mc:Choice Requires="p14">
+      <p:transition spd="med" p14:dur="700">
+        <p:fade/>
+      </p:transition>
+    </mc:Choice>
+    <mc:Fallback xmlns="">
+      <p:transition spd="med">
+        <p:fade/>
+      </p:transition>
+    </mc:Fallback>
+  </mc:AlternateContent>
+</p:sld>
+</file>
+
+<file path=ppt/slides/slide3.xml><?xml version="1.0" encoding="utf-8"?>
+<p:sld xmlns:a="http://schemas.openxmlformats.org/drawingml/2006/main" xmlns:r="http://schemas.openxmlformats.org/officeDocument/2006/relationships" xmlns:p="http://schemas.openxmlformats.org/presentationml/2006/main">
+  <p:cSld>
+    <p:spTree>
+      <p:nvGrpSpPr>
+        <p:cNvPr id="1" name=""/>
+        <p:cNvGrpSpPr/>
+        <p:nvPr/>
+      </p:nvGrpSpPr>
+      <p:grpSpPr>
+        <a:xfrm>
+          <a:off x="0" y="0"/>
+          <a:ext cx="0" cy="0"/>
+          <a:chOff x="0" y="0"/>
+          <a:chExt cx="0" cy="0"/>
+        </a:xfrm>
+      </p:grpSpPr>
+      <p:sp>
+        <p:nvSpPr>
+          <p:cNvPr id="2" name="標題 1">
+            <a:extLst>
+              <a:ext uri="{FF2B5EF4-FFF2-40B4-BE49-F238E27FC236}">
+                <a16:creationId xmlns:a16="http://schemas.microsoft.com/office/drawing/2014/main" id="{6A4A2953-2754-4483-9FA0-B1E08D3F9716}"/>
+              </a:ext>
+            </a:extLst>
+          </p:cNvPr>
+          <p:cNvSpPr>
+            <a:spLocks noGrp="1"/>
+          </p:cNvSpPr>
+          <p:nvPr>
+            <p:ph type="title"/>
+          </p:nvPr>
+        </p:nvSpPr>
+        <p:spPr/>
+        <p:txBody>
+          <a:bodyPr/>
+          <a:lstStyle/>
+          <a:p>
+            <a:r>
+              <a:rPr lang="en-US" altLang="zh-TW" dirty="0" err="1"/>
+              <a:t>Github</a:t>
+            </a:r>
+            <a:endParaRPr lang="zh-TW" altLang="en-US" dirty="0"/>
+          </a:p>
+        </p:txBody>
+      </p:sp>
+      <p:pic>
+        <p:nvPicPr>
+          <p:cNvPr id="4" name="內容版面配置區 3">
+            <a:extLst>
+              <a:ext uri="{FF2B5EF4-FFF2-40B4-BE49-F238E27FC236}">
+                <a16:creationId xmlns:a16="http://schemas.microsoft.com/office/drawing/2014/main" id="{48EC75FE-27AD-407A-AC28-28E3C855FC9E}"/>
+              </a:ext>
+            </a:extLst>
+          </p:cNvPr>
+          <p:cNvPicPr>
+            <a:picLocks noGrp="1" noChangeAspect="1"/>
+          </p:cNvPicPr>
+          <p:nvPr>
+            <p:ph idx="1"/>
+          </p:nvPr>
+        </p:nvPicPr>
+        <p:blipFill>
+          <a:blip r:embed="rId2"/>
+          <a:stretch>
+            <a:fillRect/>
+          </a:stretch>
+        </p:blipFill>
+        <p:spPr>
+          <a:xfrm>
+            <a:off x="1125860" y="1915384"/>
+            <a:ext cx="9601200" cy="3027232"/>
+          </a:xfrm>
+          <a:prstGeom prst="rect">
+            <a:avLst/>
+          </a:prstGeom>
+        </p:spPr>
+      </p:pic>
+      <p:sp>
+        <p:nvSpPr>
+          <p:cNvPr id="5" name="矩形 4">
+            <a:extLst>
+              <a:ext uri="{FF2B5EF4-FFF2-40B4-BE49-F238E27FC236}">
+                <a16:creationId xmlns:a16="http://schemas.microsoft.com/office/drawing/2014/main" id="{12293726-63CE-47C3-8C6E-9061AEB6AD52}"/>
+              </a:ext>
+            </a:extLst>
+          </p:cNvPr>
+          <p:cNvSpPr/>
+          <p:nvPr/>
+        </p:nvSpPr>
+        <p:spPr>
+          <a:xfrm>
+            <a:off x="1341884" y="5181600"/>
+            <a:ext cx="6092825" cy="646331"/>
+          </a:xfrm>
+          <a:prstGeom prst="rect">
+            <a:avLst/>
+          </a:prstGeom>
+        </p:spPr>
+        <p:txBody>
+          <a:bodyPr>
+            <a:spAutoFit/>
+          </a:bodyPr>
+          <a:lstStyle/>
+          <a:p>
+            <a:r>
+              <a:rPr lang="en-US" altLang="zh-TW" dirty="0" err="1"/>
+              <a:t>Github</a:t>
+            </a:r>
+            <a:r>
+              <a:rPr lang="zh-TW" altLang="en-US" dirty="0"/>
+              <a:t>連結</a:t>
+            </a:r>
+            <a:r>
+              <a:rPr lang="en-US" altLang="zh-TW" dirty="0"/>
+              <a:t>:</a:t>
+            </a:r>
+          </a:p>
+          <a:p>
+            <a:r>
+              <a:rPr lang="en-US" altLang="zh-TW" dirty="0">
+                <a:hlinkClick r:id="rId3"/>
+              </a:rPr>
+              <a:t>https://github.com/p314008dsa/Text-mining</a:t>
+            </a:r>
+            <a:endParaRPr lang="zh-TW" altLang="en-US" dirty="0"/>
+          </a:p>
+        </p:txBody>
+      </p:sp>
+    </p:spTree>
+    <p:extLst>
+      <p:ext uri="{BB962C8B-B14F-4D97-AF65-F5344CB8AC3E}">
+        <p14:creationId xmlns:p14="http://schemas.microsoft.com/office/powerpoint/2010/main" val="422635366"/>
+      </p:ext>
+    </p:extLst>
+  </p:cSld>
+  <p:clrMapOvr>
+    <a:masterClrMapping/>
+  </p:clrMapOvr>
+  <mc:AlternateContent xmlns:mc="http://schemas.openxmlformats.org/markup-compatibility/2006" xmlns:p14="http://schemas.microsoft.com/office/powerpoint/2010/main">
+    <mc:Choice Requires="p14">
+      <p:transition spd="med" p14:dur="700">
+        <p:fade/>
+      </p:transition>
+    </mc:Choice>
+    <mc:Fallback xmlns="">
+      <p:transition spd="med">
+        <p:fade/>
+      </p:transition>
+    </mc:Fallback>
+  </mc:AlternateContent>
+</p:sld>
+</file>
+
+<file path=ppt/slides/slide4.xml><?xml version="1.0" encoding="utf-8"?>
+<p:sld xmlns:a="http://schemas.openxmlformats.org/drawingml/2006/main" xmlns:r="http://schemas.openxmlformats.org/officeDocument/2006/relationships" xmlns:p="http://schemas.openxmlformats.org/presentationml/2006/main">
+  <p:cSld>
+    <p:spTree>
+      <p:nvGrpSpPr>
+        <p:cNvPr id="1" name=""/>
+        <p:cNvGrpSpPr/>
+        <p:nvPr/>
+      </p:nvGrpSpPr>
+      <p:grpSpPr>
+        <a:xfrm>
+          <a:off x="0" y="0"/>
+          <a:ext cx="0" cy="0"/>
+          <a:chOff x="0" y="0"/>
+          <a:chExt cx="0" cy="0"/>
+        </a:xfrm>
+      </p:grpSpPr>
+      <p:sp>
+        <p:nvSpPr>
           <p:cNvPr id="13" name="標題 12"/>
           <p:cNvSpPr>
             <a:spLocks noGrp="1"/>
@@ -6005,161 +6308,7 @@
 </p:sld>
 </file>
 
-<file path=ppt/slides/slide3.xml><?xml version="1.0" encoding="utf-8"?>
-<p:sld xmlns:a="http://schemas.openxmlformats.org/drawingml/2006/main" xmlns:r="http://schemas.openxmlformats.org/officeDocument/2006/relationships" xmlns:p="http://schemas.openxmlformats.org/presentationml/2006/main">
-  <p:cSld>
-    <p:spTree>
-      <p:nvGrpSpPr>
-        <p:cNvPr id="1" name=""/>
-        <p:cNvGrpSpPr/>
-        <p:nvPr/>
-      </p:nvGrpSpPr>
-      <p:grpSpPr>
-        <a:xfrm>
-          <a:off x="0" y="0"/>
-          <a:ext cx="0" cy="0"/>
-          <a:chOff x="0" y="0"/>
-          <a:chExt cx="0" cy="0"/>
-        </a:xfrm>
-      </p:grpSpPr>
-      <p:sp>
-        <p:nvSpPr>
-          <p:cNvPr id="2" name="標題 1">
-            <a:extLst>
-              <a:ext uri="{FF2B5EF4-FFF2-40B4-BE49-F238E27FC236}">
-                <a16:creationId xmlns:a16="http://schemas.microsoft.com/office/drawing/2014/main" id="{6A4A2953-2754-4483-9FA0-B1E08D3F9716}"/>
-              </a:ext>
-            </a:extLst>
-          </p:cNvPr>
-          <p:cNvSpPr>
-            <a:spLocks noGrp="1"/>
-          </p:cNvSpPr>
-          <p:nvPr>
-            <p:ph type="title"/>
-          </p:nvPr>
-        </p:nvSpPr>
-        <p:spPr/>
-        <p:txBody>
-          <a:bodyPr/>
-          <a:lstStyle/>
-          <a:p>
-            <a:r>
-              <a:rPr lang="en-US" altLang="zh-TW" dirty="0" err="1"/>
-              <a:t>Github</a:t>
-            </a:r>
-            <a:endParaRPr lang="zh-TW" altLang="en-US" dirty="0"/>
-          </a:p>
-        </p:txBody>
-      </p:sp>
-      <p:pic>
-        <p:nvPicPr>
-          <p:cNvPr id="4" name="內容版面配置區 3">
-            <a:extLst>
-              <a:ext uri="{FF2B5EF4-FFF2-40B4-BE49-F238E27FC236}">
-                <a16:creationId xmlns:a16="http://schemas.microsoft.com/office/drawing/2014/main" id="{48EC75FE-27AD-407A-AC28-28E3C855FC9E}"/>
-              </a:ext>
-            </a:extLst>
-          </p:cNvPr>
-          <p:cNvPicPr>
-            <a:picLocks noGrp="1" noChangeAspect="1"/>
-          </p:cNvPicPr>
-          <p:nvPr>
-            <p:ph idx="1"/>
-          </p:nvPr>
-        </p:nvPicPr>
-        <p:blipFill>
-          <a:blip r:embed="rId2"/>
-          <a:stretch>
-            <a:fillRect/>
-          </a:stretch>
-        </p:blipFill>
-        <p:spPr>
-          <a:xfrm>
-            <a:off x="1125860" y="1915384"/>
-            <a:ext cx="9601200" cy="3027232"/>
-          </a:xfrm>
-          <a:prstGeom prst="rect">
-            <a:avLst/>
-          </a:prstGeom>
-        </p:spPr>
-      </p:pic>
-      <p:sp>
-        <p:nvSpPr>
-          <p:cNvPr id="5" name="矩形 4">
-            <a:extLst>
-              <a:ext uri="{FF2B5EF4-FFF2-40B4-BE49-F238E27FC236}">
-                <a16:creationId xmlns:a16="http://schemas.microsoft.com/office/drawing/2014/main" id="{12293726-63CE-47C3-8C6E-9061AEB6AD52}"/>
-              </a:ext>
-            </a:extLst>
-          </p:cNvPr>
-          <p:cNvSpPr/>
-          <p:nvPr/>
-        </p:nvSpPr>
-        <p:spPr>
-          <a:xfrm>
-            <a:off x="1341884" y="5181600"/>
-            <a:ext cx="6092825" cy="646331"/>
-          </a:xfrm>
-          <a:prstGeom prst="rect">
-            <a:avLst/>
-          </a:prstGeom>
-        </p:spPr>
-        <p:txBody>
-          <a:bodyPr>
-            <a:spAutoFit/>
-          </a:bodyPr>
-          <a:lstStyle/>
-          <a:p>
-            <a:r>
-              <a:rPr lang="en-US" altLang="zh-TW" dirty="0" err="1"/>
-              <a:t>Github</a:t>
-            </a:r>
-            <a:r>
-              <a:rPr lang="zh-TW" altLang="en-US" dirty="0"/>
-              <a:t>連結</a:t>
-            </a:r>
-            <a:r>
-              <a:rPr lang="en-US" altLang="zh-TW" dirty="0"/>
-              <a:t>:</a:t>
-            </a:r>
-          </a:p>
-          <a:p>
-            <a:r>
-              <a:rPr lang="en-US" altLang="zh-TW" dirty="0">
-                <a:hlinkClick r:id="rId3"/>
-              </a:rPr>
-              <a:t>https://github.com/p314008dsa/Text-mining</a:t>
-            </a:r>
-            <a:endParaRPr lang="zh-TW" altLang="en-US" dirty="0"/>
-          </a:p>
-        </p:txBody>
-      </p:sp>
-    </p:spTree>
-    <p:extLst>
-      <p:ext uri="{BB962C8B-B14F-4D97-AF65-F5344CB8AC3E}">
-        <p14:creationId xmlns:p14="http://schemas.microsoft.com/office/powerpoint/2010/main" val="422635366"/>
-      </p:ext>
-    </p:extLst>
-  </p:cSld>
-  <p:clrMapOvr>
-    <a:masterClrMapping/>
-  </p:clrMapOvr>
-  <mc:AlternateContent xmlns:mc="http://schemas.openxmlformats.org/markup-compatibility/2006" xmlns:p14="http://schemas.microsoft.com/office/powerpoint/2010/main">
-    <mc:Choice Requires="p14">
-      <p:transition spd="med" p14:dur="700">
-        <p:fade/>
-      </p:transition>
-    </mc:Choice>
-    <mc:Fallback xmlns="">
-      <p:transition spd="med">
-        <p:fade/>
-      </p:transition>
-    </mc:Fallback>
-  </mc:AlternateContent>
-</p:sld>
-</file>
-
-<file path=ppt/slides/slide4.xml><?xml version="1.0" encoding="utf-8"?>
+<file path=ppt/slides/slide5.xml><?xml version="1.0" encoding="utf-8"?>
 <p:sld xmlns:a="http://schemas.openxmlformats.org/drawingml/2006/main" xmlns:r="http://schemas.openxmlformats.org/officeDocument/2006/relationships" xmlns:p="http://schemas.openxmlformats.org/presentationml/2006/main">
   <p:cSld>
     <p:spTree>
@@ -6385,7 +6534,7 @@
 </p:sld>
 </file>
 
-<file path=ppt/slides/slide5.xml><?xml version="1.0" encoding="utf-8"?>
+<file path=ppt/slides/slide6.xml><?xml version="1.0" encoding="utf-8"?>
 <p:sld xmlns:a="http://schemas.openxmlformats.org/drawingml/2006/main" xmlns:r="http://schemas.openxmlformats.org/officeDocument/2006/relationships" xmlns:p="http://schemas.openxmlformats.org/presentationml/2006/main">
   <p:cSld>
     <p:spTree>
@@ -6496,7 +6645,7 @@
 </p:sld>
 </file>
 
-<file path=ppt/slides/slide6.xml><?xml version="1.0" encoding="utf-8"?>
+<file path=ppt/slides/slide7.xml><?xml version="1.0" encoding="utf-8"?>
 <p:sld xmlns:a="http://schemas.openxmlformats.org/drawingml/2006/main" xmlns:r="http://schemas.openxmlformats.org/officeDocument/2006/relationships" xmlns:p="http://schemas.openxmlformats.org/presentationml/2006/main">
   <p:cSld>
     <p:spTree>
@@ -6699,7 +6848,7 @@
 </p:sld>
 </file>
 
-<file path=ppt/slides/slide7.xml><?xml version="1.0" encoding="utf-8"?>
+<file path=ppt/slides/slide8.xml><?xml version="1.0" encoding="utf-8"?>
 <p:sld xmlns:a="http://schemas.openxmlformats.org/drawingml/2006/main" xmlns:r="http://schemas.openxmlformats.org/officeDocument/2006/relationships" xmlns:p="http://schemas.openxmlformats.org/presentationml/2006/main">
   <p:cSld>
     <p:spTree>
